--- a/O3651-7 Setting up your Developer environment in Office 365/O3651-7 Setting up your Developer environment in Office 365.pptx
+++ b/O3651-7 Setting up your Developer environment in Office 365/O3651-7 Setting up your Developer environment in Office 365.pptx
@@ -350,7 +350,7 @@
           <a:p>
             <a:fld id="{DE219B1A-AE41-483B-A766-69B9363DDA6A}" type="datetimeFigureOut">
               <a:rPr lang="en-US" smtClean="0"/>
-              <a:t>7/15/2014</a:t>
+              <a:t>9/12/2014</a:t>
             </a:fld>
             <a:endParaRPr lang="en-US"/>
           </a:p>
@@ -632,7 +632,7 @@
           <a:p>
             <a:fld id="{D51B1278-D92B-4AF3-A9C1-71DD298190CE}" type="datetimeFigureOut">
               <a:rPr lang="en-US" smtClean="0"/>
-              <a:t>7/15/2014</a:t>
+              <a:t>9/12/2014</a:t>
             </a:fld>
             <a:endParaRPr lang="en-US"/>
           </a:p>
@@ -1213,7 +1213,7 @@
           <a:p>
             <a:fld id="{C5A2A3EB-BE87-4080-97A4-5341D2051EE4}" type="datetime1">
               <a:rPr lang="en-US" smtClean="0"/>
-              <a:t>7/15/2014</a:t>
+              <a:t>9/12/2014</a:t>
             </a:fld>
             <a:endParaRPr lang="en-US"/>
           </a:p>
@@ -1419,7 +1419,7 @@
           <a:p>
             <a:fld id="{9A443B04-064F-4871-9D9F-BDCA414B0371}" type="datetime1">
               <a:rPr lang="en-US" smtClean="0"/>
-              <a:t>7/15/2014</a:t>
+              <a:t>9/12/2014</a:t>
             </a:fld>
             <a:endParaRPr lang="en-US"/>
           </a:p>
@@ -1656,7 +1656,7 @@
           <a:p>
             <a:fld id="{7017412A-FAE9-499A-B3C7-924D02AB998D}" type="datetime1">
               <a:rPr lang="en-US" smtClean="0"/>
-              <a:t>7/15/2014</a:t>
+              <a:t>9/12/2014</a:t>
             </a:fld>
             <a:endParaRPr lang="en-US"/>
           </a:p>
@@ -1868,7 +1868,7 @@
           <a:p>
             <a:fld id="{4692986F-2699-409F-8A21-4F1A3E24BE62}" type="datetime1">
               <a:rPr lang="en-US" smtClean="0"/>
-              <a:t>7/15/2014</a:t>
+              <a:t>9/12/2014</a:t>
             </a:fld>
             <a:endParaRPr lang="en-US"/>
           </a:p>
@@ -2100,7 +2100,7 @@
           <a:p>
             <a:fld id="{EC07A5DE-1429-409E-95F7-F13CDA16C6E2}" type="datetime1">
               <a:rPr lang="en-US" smtClean="0"/>
-              <a:t>7/15/2014</a:t>
+              <a:t>9/12/2014</a:t>
             </a:fld>
             <a:endParaRPr lang="en-US"/>
           </a:p>
@@ -2324,7 +2324,7 @@
           <a:p>
             <a:fld id="{BBA7F52A-B8F7-43B0-8B42-741D53CB577A}" type="datetime1">
               <a:rPr lang="en-US" smtClean="0"/>
-              <a:t>7/15/2014</a:t>
+              <a:t>9/12/2014</a:t>
             </a:fld>
             <a:endParaRPr lang="en-US"/>
           </a:p>
@@ -2540,7 +2540,7 @@
           <a:p>
             <a:fld id="{4B1490A0-601F-404D-B7DA-4F4F3A8C8BB1}" type="datetime1">
               <a:rPr lang="en-US" smtClean="0"/>
-              <a:t>7/15/2014</a:t>
+              <a:t>9/12/2014</a:t>
             </a:fld>
             <a:endParaRPr lang="en-US"/>
           </a:p>
@@ -2752,7 +2752,7 @@
           <a:p>
             <a:fld id="{52399918-EEB6-4F99-B0AF-2A7FFCFDFFF9}" type="datetime1">
               <a:rPr lang="en-US" smtClean="0"/>
-              <a:t>7/15/2014</a:t>
+              <a:t>9/12/2014</a:t>
             </a:fld>
             <a:endParaRPr lang="en-US"/>
           </a:p>
@@ -3109,7 +3109,7 @@
           <a:p>
             <a:fld id="{B079C3B8-7366-4A44-A34B-3977080C19E7}" type="datetime1">
               <a:rPr lang="en-US" smtClean="0"/>
-              <a:t>7/15/2014</a:t>
+              <a:t>9/12/2014</a:t>
             </a:fld>
             <a:endParaRPr lang="en-US" dirty="0"/>
           </a:p>
@@ -3351,7 +3351,7 @@
           <a:p>
             <a:fld id="{0BB6559B-C68D-49B4-97AE-9BB74C417927}" type="datetime1">
               <a:rPr lang="en-US" smtClean="0"/>
-              <a:t>7/15/2014</a:t>
+              <a:t>9/12/2014</a:t>
             </a:fld>
             <a:endParaRPr lang="en-US"/>
           </a:p>
@@ -3609,7 +3609,7 @@
           <a:p>
             <a:fld id="{B079C3B8-7366-4A44-A34B-3977080C19E7}" type="datetime1">
               <a:rPr lang="en-US" smtClean="0"/>
-              <a:t>7/15/2014</a:t>
+              <a:t>9/12/2014</a:t>
             </a:fld>
             <a:endParaRPr lang="en-US" dirty="0"/>
           </a:p>
@@ -4254,7 +4254,7 @@
           <a:p>
             <a:fld id="{4F0210BE-2A39-4D0E-9359-F64D4B884D4E}" type="datetime1">
               <a:rPr lang="en-US" smtClean="0"/>
-              <a:t>7/15/2014</a:t>
+              <a:t>9/12/2014</a:t>
             </a:fld>
             <a:endParaRPr lang="en-US"/>
           </a:p>
@@ -4464,7 +4464,7 @@
           <a:p>
             <a:fld id="{CA454356-7988-4E39-B534-EC35F7CCC11C}" type="datetime1">
               <a:rPr lang="en-US" smtClean="0"/>
-              <a:t>7/15/2014</a:t>
+              <a:t>9/12/2014</a:t>
             </a:fld>
             <a:endParaRPr lang="en-US"/>
           </a:p>
@@ -4670,7 +4670,7 @@
           <a:p>
             <a:fld id="{1B816852-F550-4F1E-AE22-5580BB5390CD}" type="datetime1">
               <a:rPr lang="en-US" smtClean="0"/>
-              <a:t>7/15/2014</a:t>
+              <a:t>9/12/2014</a:t>
             </a:fld>
             <a:endParaRPr lang="en-US"/>
           </a:p>
@@ -4880,7 +4880,7 @@
           <a:p>
             <a:fld id="{8C3D3F17-9065-4B2A-80EA-09A3A0159250}" type="datetime1">
               <a:rPr lang="en-US" smtClean="0"/>
-              <a:t>7/15/2014</a:t>
+              <a:t>9/12/2014</a:t>
             </a:fld>
             <a:endParaRPr lang="en-US"/>
           </a:p>
@@ -5197,7 +5197,7 @@
           <a:p>
             <a:fld id="{E94FB22D-AF06-49F0-ABFB-4A3B32E04FBE}" type="datetime1">
               <a:rPr lang="en-US" smtClean="0"/>
-              <a:t>7/15/2014</a:t>
+              <a:t>9/12/2014</a:t>
             </a:fld>
             <a:endParaRPr lang="en-US"/>
           </a:p>
@@ -5304,7 +5304,7 @@
           <a:p>
             <a:fld id="{35A2105E-80AA-4B38-BA9C-D7E35197D8BA}" type="datetime1">
               <a:rPr lang="en-US" smtClean="0"/>
-              <a:t>7/15/2014</a:t>
+              <a:t>9/12/2014</a:t>
             </a:fld>
             <a:endParaRPr lang="en-US"/>
           </a:p>
@@ -9377,12 +9377,12 @@
   <p:extLst mod="1">
     <p:ext uri="{DCECCB84-F9BA-43D5-87BE-67443E8EF086}">
       <p15:sldGuideLst xmlns:p15="http://schemas.microsoft.com/office/powerpoint/2012/main">
-        <p15:guide id="4294967295" orient="horz" pos="2203">
+        <p15:guide id="1" orient="horz" pos="2203">
           <p15:clr>
             <a:srgbClr val="FBAE40"/>
           </p15:clr>
         </p15:guide>
-        <p15:guide id="4294967295" pos="3053">
+        <p15:guide id="2" pos="3053">
           <p15:clr>
             <a:srgbClr val="FBAE40"/>
           </p15:clr>
@@ -16236,7 +16236,7 @@
           <p:nvPr>
             <p:extLst>
               <p:ext uri="{D42A27DB-BD31-4B8C-83A1-F6EECF244321}">
-                <p14:modId xmlns:p14="http://schemas.microsoft.com/office/powerpoint/2010/main" val="3260806459"/>
+                <p14:modId xmlns:p14="http://schemas.microsoft.com/office/powerpoint/2010/main" val="813453893"/>
               </p:ext>
             </p:extLst>
           </p:nvPr>
@@ -16529,22 +16529,6 @@
                         </a:rPr>
                         <a:t>Windows 8.1</a:t>
                       </a:r>
-                      <a:endParaRPr lang="en-US" sz="3200" b="0" u="none" strike="noStrike" kern="1200" dirty="0" smtClean="0">
-                        <a:gradFill>
-                          <a:gsLst>
-                            <a:gs pos="1250">
-                              <a:schemeClr val="bg2"/>
-                            </a:gs>
-                            <a:gs pos="100000">
-                              <a:schemeClr val="bg2"/>
-                            </a:gs>
-                          </a:gsLst>
-                          <a:lin ang="5400000" scaled="0"/>
-                        </a:gradFill>
-                        <a:latin typeface="+mj-lt"/>
-                        <a:ea typeface="Segoe UI" pitchFamily="34" charset="0"/>
-                        <a:cs typeface="Segoe UI" pitchFamily="34" charset="0"/>
-                      </a:endParaRPr>
                     </a:p>
                   </a:txBody>
                   <a:tcPr anchor="b">
@@ -17401,7 +17385,18 @@
                           <a:ea typeface="Segoe UI" pitchFamily="34" charset="0"/>
                           <a:cs typeface="Segoe UI" pitchFamily="34" charset="0"/>
                         </a:rPr>
-                        <a:t>MVC 5 Web Application</a:t>
+                        <a:t>Web </a:t>
+                      </a:r>
+                      <a:r>
+                        <a:rPr lang="en-US" sz="1800" b="0" u="none" strike="noStrike" kern="1200" dirty="0" smtClean="0">
+                          <a:solidFill>
+                            <a:srgbClr val="5F5F5F"/>
+                          </a:solidFill>
+                          <a:latin typeface="+mn-lt"/>
+                          <a:ea typeface="Segoe UI" pitchFamily="34" charset="0"/>
+                          <a:cs typeface="Segoe UI" pitchFamily="34" charset="0"/>
+                        </a:rPr>
+                        <a:t>Application</a:t>
                       </a:r>
                       <a:endParaRPr lang="en-US" sz="1800" b="0" u="none" strike="noStrike" kern="1200" dirty="0">
                         <a:solidFill>
@@ -18364,7 +18359,7 @@
                 <a:gridCol w="11225057">
                   <a:extLst>
                     <a:ext uri="{9D8B030D-6E8A-4147-A177-3AD203B41FA5}">
-                      <a16:colId xmlns="" xmlns:a16="http://schemas.microsoft.com/office/drawing/2014/main" val="1253488153"/>
+                      <a16:colId xmlns:a16="http://schemas.microsoft.com/office/drawing/2014/main" xmlns="" val="1253488153"/>
                     </a:ext>
                   </a:extLst>
                 </a:gridCol>
@@ -18386,7 +18381,7 @@
                 </a:tc>
                 <a:extLst>
                   <a:ext uri="{0D108BD9-81ED-4DB2-BD59-A6C34878D82A}">
-                    <a16:rowId xmlns="" xmlns:a16="http://schemas.microsoft.com/office/drawing/2014/main" val="829859176"/>
+                    <a16:rowId xmlns:a16="http://schemas.microsoft.com/office/drawing/2014/main" xmlns="" val="829859176"/>
                   </a:ext>
                 </a:extLst>
               </a:tr>
@@ -18398,20 +18393,15 @@
                     <a:p>
                       <a:r>
                         <a:rPr lang="en-US" sz="2400" b="0" dirty="0" smtClean="0"/>
-                        <a:t>Module 1: </a:t>
+                        <a:t>Module 1: Overview of Office 365 Development</a:t>
                       </a:r>
-                      <a:r>
-                        <a:rPr lang="en-US" sz="2400" b="0" dirty="0" smtClean="0"/>
-                        <a:t>Overview of Office 365 Development</a:t>
-                      </a:r>
-                      <a:endParaRPr lang="en-US" sz="2400" b="0" dirty="0" smtClean="0"/>
                     </a:p>
                   </a:txBody>
                   <a:tcPr marL="91403" marR="91403" marT="45701" marB="45701" anchor="ctr"/>
                 </a:tc>
                 <a:extLst>
                   <a:ext uri="{0D108BD9-81ED-4DB2-BD59-A6C34878D82A}">
-                    <a16:rowId xmlns="" xmlns:a16="http://schemas.microsoft.com/office/drawing/2014/main" val="1946132611"/>
+                    <a16:rowId xmlns:a16="http://schemas.microsoft.com/office/drawing/2014/main" xmlns="" val="1946132611"/>
                   </a:ext>
                 </a:extLst>
               </a:tr>
@@ -18444,11 +18434,7 @@
                       </a:r>
                       <a:r>
                         <a:rPr lang="en-US" sz="2400" baseline="0" dirty="0" smtClean="0"/>
-                        <a:t> </a:t>
-                      </a:r>
-                      <a:r>
-                        <a:rPr lang="en-US" sz="2400" baseline="0" dirty="0" smtClean="0"/>
-                        <a:t>SharePoint</a:t>
+                        <a:t> SharePoint</a:t>
                       </a:r>
                       <a:endParaRPr lang="en-US" sz="2400" dirty="0" smtClean="0"/>
                     </a:p>
@@ -18457,7 +18443,7 @@
                 </a:tc>
                 <a:extLst>
                   <a:ext uri="{0D108BD9-81ED-4DB2-BD59-A6C34878D82A}">
-                    <a16:rowId xmlns="" xmlns:a16="http://schemas.microsoft.com/office/drawing/2014/main" val="3204002662"/>
+                    <a16:rowId xmlns:a16="http://schemas.microsoft.com/office/drawing/2014/main" xmlns="" val="3204002662"/>
                   </a:ext>
                 </a:extLst>
               </a:tr>
@@ -18486,20 +18472,15 @@
                       </a:pPr>
                       <a:r>
                         <a:rPr lang="en-US" sz="2400" dirty="0" smtClean="0"/>
-                        <a:t>Module 3: Getting started with </a:t>
+                        <a:t>Module 3: Getting started with Apps for Office</a:t>
                       </a:r>
-                      <a:r>
-                        <a:rPr lang="en-US" sz="2400" dirty="0" smtClean="0"/>
-                        <a:t>Apps for Office</a:t>
-                      </a:r>
-                      <a:endParaRPr lang="en-US" sz="2400" dirty="0" smtClean="0"/>
                     </a:p>
                   </a:txBody>
                   <a:tcPr marL="91403" marR="91403" marT="45701" marB="45701" anchor="ctr"/>
                 </a:tc>
                 <a:extLst>
                   <a:ext uri="{0D108BD9-81ED-4DB2-BD59-A6C34878D82A}">
-                    <a16:rowId xmlns="" xmlns:a16="http://schemas.microsoft.com/office/drawing/2014/main" val="4266278162"/>
+                    <a16:rowId xmlns:a16="http://schemas.microsoft.com/office/drawing/2014/main" xmlns="" val="4266278162"/>
                   </a:ext>
                 </a:extLst>
               </a:tr>
@@ -18534,7 +18515,6 @@
                         <a:rPr lang="en-US" sz="2400" dirty="0" smtClean="0"/>
                         <a:t>Getting started with the Office 365 APIs</a:t>
                       </a:r>
-                      <a:endParaRPr lang="en-US" sz="2400" dirty="0" smtClean="0"/>
                     </a:p>
                   </a:txBody>
                   <a:tcPr marL="91403" marR="91403" marT="45701" marB="45701" anchor="ctr"/>
@@ -18567,7 +18547,6 @@
                         <a:rPr lang="en-US" sz="2400" b="0" dirty="0" smtClean="0"/>
                         <a:t>Module 5: Getting started with Mobile Development with Office 365</a:t>
                       </a:r>
-                      <a:endParaRPr lang="en-US" sz="2400" b="0" dirty="0" smtClean="0"/>
                     </a:p>
                   </a:txBody>
                   <a:tcPr marL="91403" marR="91403" marT="45701" marB="45701" anchor="ctr"/>
@@ -18623,7 +18602,6 @@
                         <a:rPr lang="en-US" sz="2400" b="0" dirty="0" smtClean="0"/>
                         <a:t>                 and best practices</a:t>
                       </a:r>
-                      <a:endParaRPr lang="en-US" sz="2400" b="0" dirty="0" smtClean="0"/>
                     </a:p>
                   </a:txBody>
                   <a:tcPr marL="91403" marR="91403" marT="45701" marB="45701" anchor="ctr"/>
@@ -18656,7 +18634,6 @@
                         <a:rPr lang="en-US" sz="2400" b="0" dirty="0" smtClean="0"/>
                         <a:t>Module 7: Setting up your Developer environment in Office 365</a:t>
                       </a:r>
-                      <a:endParaRPr lang="en-US" sz="2400" b="0" dirty="0" smtClean="0"/>
                     </a:p>
                   </a:txBody>
                   <a:tcPr marL="91403" marR="91403" marT="45701" marB="45701" anchor="ctr"/>
@@ -18689,7 +18666,6 @@
                         <a:rPr lang="en-US" sz="2400" b="0" dirty="0" smtClean="0"/>
                         <a:t>Module 8: Setting up your on-premises environment for app development</a:t>
                       </a:r>
-                      <a:endParaRPr lang="en-US" sz="2400" b="0" dirty="0" smtClean="0"/>
                     </a:p>
                   </a:txBody>
                   <a:tcPr marL="91403" marR="91403" marT="45701" marB="45701" anchor="ctr"/>
@@ -20121,14 +20097,12 @@
               <a:rPr lang="en-US" dirty="0" smtClean="0"/>
               <a:t>Speaker</a:t>
             </a:r>
-            <a:endParaRPr lang="en-US" dirty="0" smtClean="0"/>
           </a:p>
           <a:p>
             <a:r>
               <a:rPr lang="en-US" dirty="0" smtClean="0"/>
               <a:t>Title</a:t>
             </a:r>
-            <a:endParaRPr lang="en-US" dirty="0" smtClean="0"/>
           </a:p>
           <a:p>
             <a:endParaRPr lang="en-US" dirty="0" smtClean="0"/>
@@ -20821,17 +20795,8 @@
           <a:p>
             <a:r>
               <a:rPr lang="en-US" dirty="0" smtClean="0"/>
-              <a:t>The Office </a:t>
-            </a:r>
-            <a:r>
-              <a:rPr lang="en-US" dirty="0" smtClean="0"/>
-              <a:t>365 </a:t>
-            </a:r>
-            <a:r>
-              <a:rPr lang="en-US" dirty="0" smtClean="0"/>
-              <a:t>Environment</a:t>
-            </a:r>
-            <a:endParaRPr lang="en-US" dirty="0" smtClean="0"/>
+              <a:t>The Office 365 Environment</a:t>
+            </a:r>
           </a:p>
           <a:p>
             <a:r>
@@ -20844,7 +20809,6 @@
               <a:rPr lang="en-US" dirty="0" smtClean="0"/>
               <a:t>Seller Dashboard</a:t>
             </a:r>
-            <a:endParaRPr lang="en-US" dirty="0" smtClean="0"/>
           </a:p>
         </p:txBody>
       </p:sp>
@@ -20896,10 +20860,6 @@
               <a:rPr lang="en-US" dirty="0" smtClean="0"/>
               <a:t>Summary</a:t>
             </a:r>
-            <a:r>
-              <a:rPr lang="en-US" dirty="0" smtClean="0"/>
-              <a:t/>
-            </a:r>
             <a:br>
               <a:rPr lang="en-US" dirty="0" smtClean="0"/>
             </a:br>
@@ -20917,13 +20877,13 @@
   <p:clrMapOvr>
     <a:masterClrMapping/>
   </p:clrMapOvr>
-  <mc:AlternateContent xmlns:mc="http://schemas.openxmlformats.org/markup-compatibility/2006">
-    <mc:Choice xmlns:p14="http://schemas.microsoft.com/office/powerpoint/2010/main" Requires="p14">
+  <mc:AlternateContent xmlns:mc="http://schemas.openxmlformats.org/markup-compatibility/2006" xmlns:p14="http://schemas.microsoft.com/office/powerpoint/2010/main">
+    <mc:Choice Requires="p14">
       <p:transition spd="med" p14:dur="700">
         <p:fade/>
       </p:transition>
     </mc:Choice>
-    <mc:Fallback>
+    <mc:Fallback xmlns="">
       <p:transition spd="med">
         <p:fade/>
       </p:transition>
@@ -21365,22 +21325,12 @@
               <a:rPr lang="en-US" dirty="0" smtClean="0"/>
               <a:t>Overview</a:t>
             </a:r>
-            <a:endParaRPr lang="en-US" dirty="0" smtClean="0"/>
           </a:p>
           <a:p>
             <a:r>
               <a:rPr lang="en-US" dirty="0" smtClean="0"/>
-              <a:t>The Office </a:t>
-            </a:r>
-            <a:r>
-              <a:rPr lang="en-US" dirty="0" smtClean="0"/>
-              <a:t>365 </a:t>
-            </a:r>
-            <a:r>
-              <a:rPr lang="en-US" dirty="0" smtClean="0"/>
-              <a:t>Environment</a:t>
-            </a:r>
-            <a:endParaRPr lang="en-US" dirty="0" smtClean="0"/>
+              <a:t>The Office 365 Environment</a:t>
+            </a:r>
           </a:p>
           <a:p>
             <a:r>
@@ -21393,7 +21343,6 @@
               <a:rPr lang="en-US" dirty="0" smtClean="0"/>
               <a:t>Seller Dashboard</a:t>
             </a:r>
-            <a:endParaRPr lang="en-US" dirty="0" smtClean="0"/>
           </a:p>
         </p:txBody>
       </p:sp>
@@ -21445,10 +21394,6 @@
               <a:rPr lang="en-US" dirty="0" smtClean="0"/>
               <a:t>Agenda</a:t>
             </a:r>
-            <a:r>
-              <a:rPr lang="en-US" dirty="0" smtClean="0"/>
-              <a:t/>
-            </a:r>
             <a:br>
               <a:rPr lang="en-US" dirty="0" smtClean="0"/>
             </a:br>
@@ -21466,13 +21411,13 @@
   <p:clrMapOvr>
     <a:masterClrMapping/>
   </p:clrMapOvr>
-  <mc:AlternateContent xmlns:mc="http://schemas.openxmlformats.org/markup-compatibility/2006">
-    <mc:Choice xmlns:p14="http://schemas.microsoft.com/office/powerpoint/2010/main" Requires="p14">
+  <mc:AlternateContent xmlns:mc="http://schemas.openxmlformats.org/markup-compatibility/2006" xmlns:p14="http://schemas.microsoft.com/office/powerpoint/2010/main">
+    <mc:Choice Requires="p14">
       <p:transition spd="med" p14:dur="700">
         <p:fade/>
       </p:transition>
     </mc:Choice>
-    <mc:Fallback>
+    <mc:Fallback xmlns="">
       <p:transition spd="med">
         <p:fade/>
       </p:transition>
@@ -24782,7 +24727,7 @@
               </a:ln>
               <a:extLst>
                 <a:ext uri="{91240B29-F687-4f45-9708-019B960494DF}">
-                  <a14:hiddenLine xmlns:a14="http://schemas.microsoft.com/office/drawing/2010/main" xmlns="" w="9525">
+                  <a14:hiddenLine xmlns="" xmlns:a14="http://schemas.microsoft.com/office/drawing/2010/main" w="9525">
                     <a:solidFill>
                       <a:srgbClr val="000000"/>
                     </a:solidFill>
@@ -27587,7 +27532,7 @@
                 </a:ln>
                 <a:extLst>
                   <a:ext uri="{91240B29-F687-4f45-9708-019B960494DF}">
-                    <a14:hiddenLine xmlns="" xmlns:a14="http://schemas.microsoft.com/office/drawing/2010/main" w="9525">
+                    <a14:hiddenLine xmlns:a14="http://schemas.microsoft.com/office/drawing/2010/main" xmlns="" w="9525">
                       <a:solidFill>
                         <a:srgbClr val="000000"/>
                       </a:solidFill>
@@ -32625,7 +32570,7 @@
                 </a:ln>
                 <a:extLst>
                   <a:ext uri="{91240B29-F687-4f45-9708-019B960494DF}">
-                    <a14:hiddenLine xmlns="" xmlns:a14="http://schemas.microsoft.com/office/drawing/2010/main" w="9525">
+                    <a14:hiddenLine xmlns:a14="http://schemas.microsoft.com/office/drawing/2010/main" xmlns="" w="9525">
                       <a:solidFill>
                         <a:srgbClr val="000000"/>
                       </a:solidFill>
@@ -33216,7 +33161,7 @@
                 </a:ln>
                 <a:extLst>
                   <a:ext uri="{91240B29-F687-4f45-9708-019B960494DF}">
-                    <a14:hiddenLine xmlns="" xmlns:a14="http://schemas.microsoft.com/office/drawing/2010/main" w="9525">
+                    <a14:hiddenLine xmlns:a14="http://schemas.microsoft.com/office/drawing/2010/main" xmlns="" w="9525">
                       <a:solidFill>
                         <a:srgbClr val="000000"/>
                       </a:solidFill>
@@ -35809,7 +35754,6 @@
               <a:rPr lang="en-US" dirty="0"/>
               <a:t>Office 365 Development Options</a:t>
             </a:r>
-            <a:endParaRPr lang="en-US" dirty="0"/>
           </a:p>
         </p:txBody>
       </p:sp>
@@ -36184,25 +36128,6 @@
                         </a:rPr>
                         <a:t>O365 APIs</a:t>
                       </a:r>
-                      <a:endParaRPr lang="en-US" sz="2000" b="0" u="none" strike="noStrike" kern="1200" dirty="0" smtClean="0">
-                        <a:ln>
-                          <a:noFill/>
-                        </a:ln>
-                        <a:gradFill>
-                          <a:gsLst>
-                            <a:gs pos="0">
-                              <a:srgbClr val="FFFFFF"/>
-                            </a:gs>
-                            <a:gs pos="100000">
-                              <a:srgbClr val="FFFFFF"/>
-                            </a:gs>
-                          </a:gsLst>
-                          <a:lin ang="5400000" scaled="0"/>
-                        </a:gradFill>
-                        <a:latin typeface="+mn-lt"/>
-                        <a:ea typeface="+mn-ea"/>
-                        <a:cs typeface="+mn-cs"/>
-                      </a:endParaRPr>
                     </a:p>
                   </a:txBody>
                   <a:tcPr anchor="ctr">
@@ -39290,18 +39215,18 @@
 </file>
 
 <file path=customXml/item1.xml><?xml version="1.0" encoding="utf-8"?>
+<p:properties xmlns:p="http://schemas.microsoft.com/office/2006/metadata/properties" xmlns:xsi="http://www.w3.org/2001/XMLSchema-instance" xmlns:pc="http://schemas.microsoft.com/office/infopath/2007/PartnerControls">
+  <documentManagement/>
+</p:properties>
+</file>
+
+<file path=customXml/item2.xml><?xml version="1.0" encoding="utf-8"?>
 <?mso-contentType ?>
 <FormTemplates xmlns="http://schemas.microsoft.com/sharepoint/v3/contenttype/forms">
   <Display>DocumentLibraryForm</Display>
   <Edit>DocumentLibraryForm</Edit>
   <New>DocumentLibraryForm</New>
 </FormTemplates>
-</file>
-
-<file path=customXml/item2.xml><?xml version="1.0" encoding="utf-8"?>
-<p:properties xmlns:p="http://schemas.microsoft.com/office/2006/metadata/properties" xmlns:xsi="http://www.w3.org/2001/XMLSchema-instance" xmlns:pc="http://schemas.microsoft.com/office/infopath/2007/PartnerControls">
-  <documentManagement/>
-</p:properties>
 </file>
 
 <file path=customXml/item3.xml><?xml version="1.0" encoding="utf-8"?>
@@ -39445,14 +39370,6 @@
 </file>
 
 <file path=customXml/itemProps1.xml><?xml version="1.0" encoding="utf-8"?>
-<ds:datastoreItem xmlns:ds="http://schemas.openxmlformats.org/officeDocument/2006/customXml" ds:itemID="{E1E0CE18-CA03-4891-9CD8-3448778E3D53}">
-  <ds:schemaRefs>
-    <ds:schemaRef ds:uri="http://schemas.microsoft.com/sharepoint/v3/contenttype/forms"/>
-  </ds:schemaRefs>
-</ds:datastoreItem>
-</file>
-
-<file path=customXml/itemProps2.xml><?xml version="1.0" encoding="utf-8"?>
 <ds:datastoreItem xmlns:ds="http://schemas.openxmlformats.org/officeDocument/2006/customXml" ds:itemID="{DA593625-DB14-4FB0-B5A9-3269FA9C120B}">
   <ds:schemaRefs>
     <ds:schemaRef ds:uri="http://schemas.microsoft.com/office/2006/metadata/properties"/>
@@ -39464,6 +39381,14 @@
     <ds:schemaRef ds:uri="http://schemas.microsoft.com/office/infopath/2007/PartnerControls"/>
     <ds:schemaRef ds:uri="5fad15d0-477e-40da-a20d-40d4ca777cbd"/>
     <ds:schemaRef ds:uri="http://www.w3.org/XML/1998/namespace"/>
+  </ds:schemaRefs>
+</ds:datastoreItem>
+</file>
+
+<file path=customXml/itemProps2.xml><?xml version="1.0" encoding="utf-8"?>
+<ds:datastoreItem xmlns:ds="http://schemas.openxmlformats.org/officeDocument/2006/customXml" ds:itemID="{E1E0CE18-CA03-4891-9CD8-3448778E3D53}">
+  <ds:schemaRefs>
+    <ds:schemaRef ds:uri="http://schemas.microsoft.com/sharepoint/v3/contenttype/forms"/>
   </ds:schemaRefs>
 </ds:datastoreItem>
 </file>

--- a/O3651-7 Setting up your Developer environment in Office 365/O3651-7 Setting up your Developer environment in Office 365.pptx
+++ b/O3651-7 Setting up your Developer environment in Office 365/O3651-7 Setting up your Developer environment in Office 365.pptx
@@ -350,7 +350,7 @@
           <a:p>
             <a:fld id="{DE219B1A-AE41-483B-A766-69B9363DDA6A}" type="datetimeFigureOut">
               <a:rPr lang="en-US" smtClean="0"/>
-              <a:t>9/12/2014</a:t>
+              <a:t>9/18/2014</a:t>
             </a:fld>
             <a:endParaRPr lang="en-US"/>
           </a:p>
@@ -632,7 +632,7 @@
           <a:p>
             <a:fld id="{D51B1278-D92B-4AF3-A9C1-71DD298190CE}" type="datetimeFigureOut">
               <a:rPr lang="en-US" smtClean="0"/>
-              <a:t>9/12/2014</a:t>
+              <a:t>9/18/2014</a:t>
             </a:fld>
             <a:endParaRPr lang="en-US"/>
           </a:p>
@@ -1213,7 +1213,7 @@
           <a:p>
             <a:fld id="{C5A2A3EB-BE87-4080-97A4-5341D2051EE4}" type="datetime1">
               <a:rPr lang="en-US" smtClean="0"/>
-              <a:t>9/12/2014</a:t>
+              <a:t>9/18/2014</a:t>
             </a:fld>
             <a:endParaRPr lang="en-US"/>
           </a:p>
@@ -1419,7 +1419,7 @@
           <a:p>
             <a:fld id="{9A443B04-064F-4871-9D9F-BDCA414B0371}" type="datetime1">
               <a:rPr lang="en-US" smtClean="0"/>
-              <a:t>9/12/2014</a:t>
+              <a:t>9/18/2014</a:t>
             </a:fld>
             <a:endParaRPr lang="en-US"/>
           </a:p>
@@ -1656,7 +1656,7 @@
           <a:p>
             <a:fld id="{7017412A-FAE9-499A-B3C7-924D02AB998D}" type="datetime1">
               <a:rPr lang="en-US" smtClean="0"/>
-              <a:t>9/12/2014</a:t>
+              <a:t>9/18/2014</a:t>
             </a:fld>
             <a:endParaRPr lang="en-US"/>
           </a:p>
@@ -1868,7 +1868,7 @@
           <a:p>
             <a:fld id="{4692986F-2699-409F-8A21-4F1A3E24BE62}" type="datetime1">
               <a:rPr lang="en-US" smtClean="0"/>
-              <a:t>9/12/2014</a:t>
+              <a:t>9/18/2014</a:t>
             </a:fld>
             <a:endParaRPr lang="en-US"/>
           </a:p>
@@ -2100,7 +2100,7 @@
           <a:p>
             <a:fld id="{EC07A5DE-1429-409E-95F7-F13CDA16C6E2}" type="datetime1">
               <a:rPr lang="en-US" smtClean="0"/>
-              <a:t>9/12/2014</a:t>
+              <a:t>9/18/2014</a:t>
             </a:fld>
             <a:endParaRPr lang="en-US"/>
           </a:p>
@@ -2287,7 +2287,7 @@
           <a:p>
             <a:r>
               <a:rPr lang="en-US" dirty="0" smtClean="0"/>
-              <a:t>It’s not required to link the O365 Directory to an Azure subscription</a:t>
+              <a:t>It’s not required to link the Office 365 Directory to an Azure subscription</a:t>
             </a:r>
           </a:p>
           <a:p>
@@ -2299,7 +2299,7 @@
           <a:p>
             <a:r>
               <a:rPr lang="en-US" dirty="0" smtClean="0"/>
-              <a:t>and opens up the ability to call into O365 from other applications.</a:t>
+              <a:t>and opens up the ability to call into Office 365 from other applications.</a:t>
             </a:r>
           </a:p>
           <a:p>
@@ -2324,7 +2324,7 @@
           <a:p>
             <a:fld id="{BBA7F52A-B8F7-43B0-8B42-741D53CB577A}" type="datetime1">
               <a:rPr lang="en-US" smtClean="0"/>
-              <a:t>9/12/2014</a:t>
+              <a:t>9/18/2014</a:t>
             </a:fld>
             <a:endParaRPr lang="en-US"/>
           </a:p>
@@ -2511,7 +2511,7 @@
           <a:p>
             <a:r>
               <a:rPr lang="en-US" dirty="0" smtClean="0"/>
-              <a:t>By adding an O365 account as an Azure administrator,</a:t>
+              <a:t>By adding an Office 365 account as an Azure administrator,</a:t>
             </a:r>
           </a:p>
           <a:p>
@@ -2540,7 +2540,7 @@
           <a:p>
             <a:fld id="{4B1490A0-601F-404D-B7DA-4F4F3A8C8BB1}" type="datetime1">
               <a:rPr lang="en-US" smtClean="0"/>
-              <a:t>9/12/2014</a:t>
+              <a:t>9/18/2014</a:t>
             </a:fld>
             <a:endParaRPr lang="en-US"/>
           </a:p>
@@ -2752,7 +2752,7 @@
           <a:p>
             <a:fld id="{52399918-EEB6-4F99-B0AF-2A7FFCFDFFF9}" type="datetime1">
               <a:rPr lang="en-US" smtClean="0"/>
-              <a:t>9/12/2014</a:t>
+              <a:t>9/18/2014</a:t>
             </a:fld>
             <a:endParaRPr lang="en-US"/>
           </a:p>
@@ -3109,7 +3109,7 @@
           <a:p>
             <a:fld id="{B079C3B8-7366-4A44-A34B-3977080C19E7}" type="datetime1">
               <a:rPr lang="en-US" smtClean="0"/>
-              <a:t>9/12/2014</a:t>
+              <a:t>9/18/2014</a:t>
             </a:fld>
             <a:endParaRPr lang="en-US" dirty="0"/>
           </a:p>
@@ -3351,7 +3351,7 @@
           <a:p>
             <a:fld id="{0BB6559B-C68D-49B4-97AE-9BB74C417927}" type="datetime1">
               <a:rPr lang="en-US" smtClean="0"/>
-              <a:t>9/12/2014</a:t>
+              <a:t>9/18/2014</a:t>
             </a:fld>
             <a:endParaRPr lang="en-US"/>
           </a:p>
@@ -3437,103 +3437,6 @@
           <a:bodyPr/>
           <a:lstStyle/>
           <a:p>
-            <a:pPr lvl="0"/>
-            <a:r>
-              <a:rPr lang="en-US" sz="900" kern="1200" dirty="0" smtClean="0">
-                <a:solidFill>
-                  <a:schemeClr val="tx1"/>
-                </a:solidFill>
-                <a:effectLst/>
-                <a:latin typeface="Segoe UI Light" pitchFamily="34" charset="0"/>
-                <a:ea typeface="+mn-ea"/>
-                <a:cs typeface="+mn-cs"/>
-              </a:rPr>
-              <a:t>What new APIs are available, in preview, in the Office 365 Platform</a:t>
-            </a:r>
-          </a:p>
-          <a:p>
-            <a:pPr lvl="0"/>
-            <a:r>
-              <a:rPr lang="en-US" sz="900" kern="1200" dirty="0" smtClean="0">
-                <a:solidFill>
-                  <a:schemeClr val="tx1"/>
-                </a:solidFill>
-                <a:effectLst/>
-                <a:latin typeface="Segoe UI Light" pitchFamily="34" charset="0"/>
-                <a:ea typeface="+mn-ea"/>
-                <a:cs typeface="+mn-cs"/>
-              </a:rPr>
-              <a:t>How to use these API’s in your platform of choice</a:t>
-            </a:r>
-          </a:p>
-          <a:p>
-            <a:pPr lvl="0"/>
-            <a:r>
-              <a:rPr lang="en-US" sz="900" kern="1200" dirty="0" smtClean="0">
-                <a:solidFill>
-                  <a:schemeClr val="tx1"/>
-                </a:solidFill>
-                <a:effectLst/>
-                <a:latin typeface="Segoe UI Light" pitchFamily="34" charset="0"/>
-                <a:ea typeface="+mn-ea"/>
-                <a:cs typeface="+mn-cs"/>
-              </a:rPr>
-              <a:t>Some sample business scenarios for leveraging these API’s</a:t>
-            </a:r>
-          </a:p>
-          <a:p>
-            <a:r>
-              <a:rPr lang="en-US" sz="900" kern="1200" cap="all" dirty="0" smtClean="0">
-                <a:solidFill>
-                  <a:schemeClr val="tx1"/>
-                </a:solidFill>
-                <a:effectLst/>
-                <a:latin typeface="Segoe UI Light" pitchFamily="34" charset="0"/>
-                <a:ea typeface="+mn-ea"/>
-                <a:cs typeface="+mn-cs"/>
-              </a:rPr>
-              <a:t>Level:</a:t>
-            </a:r>
-            <a:r>
-              <a:rPr lang="en-US" sz="900" kern="1200" dirty="0" smtClean="0">
-                <a:solidFill>
-                  <a:schemeClr val="tx1"/>
-                </a:solidFill>
-                <a:effectLst/>
-                <a:latin typeface="Segoe UI Light" pitchFamily="34" charset="0"/>
-                <a:ea typeface="+mn-ea"/>
-                <a:cs typeface="+mn-cs"/>
-              </a:rPr>
-              <a:t> Intermediate</a:t>
-            </a:r>
-          </a:p>
-          <a:p>
-            <a:r>
-              <a:rPr lang="en-US" sz="900" kern="1200" cap="all" dirty="0" smtClean="0">
-                <a:solidFill>
-                  <a:schemeClr val="tx1"/>
-                </a:solidFill>
-                <a:effectLst/>
-                <a:latin typeface="Segoe UI Light" pitchFamily="34" charset="0"/>
-                <a:ea typeface="+mn-ea"/>
-                <a:cs typeface="+mn-cs"/>
-              </a:rPr>
-              <a:t>Audience:</a:t>
-            </a:r>
-            <a:r>
-              <a:rPr lang="en-US" sz="900" kern="1200" dirty="0" smtClean="0">
-                <a:solidFill>
-                  <a:schemeClr val="tx1"/>
-                </a:solidFill>
-                <a:effectLst/>
-                <a:latin typeface="Segoe UI Light" pitchFamily="34" charset="0"/>
-                <a:ea typeface="+mn-ea"/>
-                <a:cs typeface="+mn-cs"/>
-              </a:rPr>
-              <a:t> Developer Essentials</a:t>
-            </a:r>
-          </a:p>
-          <a:p>
             <a:endParaRPr lang="en-US" dirty="0"/>
           </a:p>
         </p:txBody>
@@ -3609,7 +3512,7 @@
           <a:p>
             <a:fld id="{B079C3B8-7366-4A44-A34B-3977080C19E7}" type="datetime1">
               <a:rPr lang="en-US" smtClean="0"/>
-              <a:t>9/12/2014</a:t>
+              <a:t>9/18/2014</a:t>
             </a:fld>
             <a:endParaRPr lang="en-US" dirty="0"/>
           </a:p>
@@ -4254,7 +4157,7 @@
           <a:p>
             <a:fld id="{4F0210BE-2A39-4D0E-9359-F64D4B884D4E}" type="datetime1">
               <a:rPr lang="en-US" smtClean="0"/>
-              <a:t>9/12/2014</a:t>
+              <a:t>9/18/2014</a:t>
             </a:fld>
             <a:endParaRPr lang="en-US"/>
           </a:p>
@@ -4464,7 +4367,7 @@
           <a:p>
             <a:fld id="{CA454356-7988-4E39-B534-EC35F7CCC11C}" type="datetime1">
               <a:rPr lang="en-US" smtClean="0"/>
-              <a:t>9/12/2014</a:t>
+              <a:t>9/18/2014</a:t>
             </a:fld>
             <a:endParaRPr lang="en-US"/>
           </a:p>
@@ -4670,7 +4573,7 @@
           <a:p>
             <a:fld id="{1B816852-F550-4F1E-AE22-5580BB5390CD}" type="datetime1">
               <a:rPr lang="en-US" smtClean="0"/>
-              <a:t>9/12/2014</a:t>
+              <a:t>9/18/2014</a:t>
             </a:fld>
             <a:endParaRPr lang="en-US"/>
           </a:p>
@@ -4880,7 +4783,7 @@
           <a:p>
             <a:fld id="{8C3D3F17-9065-4B2A-80EA-09A3A0159250}" type="datetime1">
               <a:rPr lang="en-US" smtClean="0"/>
-              <a:t>9/12/2014</a:t>
+              <a:t>9/18/2014</a:t>
             </a:fld>
             <a:endParaRPr lang="en-US"/>
           </a:p>
@@ -5197,7 +5100,7 @@
           <a:p>
             <a:fld id="{E94FB22D-AF06-49F0-ABFB-4A3B32E04FBE}" type="datetime1">
               <a:rPr lang="en-US" smtClean="0"/>
-              <a:t>9/12/2014</a:t>
+              <a:t>9/18/2014</a:t>
             </a:fld>
             <a:endParaRPr lang="en-US"/>
           </a:p>
@@ -5304,7 +5207,7 @@
           <a:p>
             <a:fld id="{35A2105E-80AA-4B38-BA9C-D7E35197D8BA}" type="datetime1">
               <a:rPr lang="en-US" smtClean="0"/>
-              <a:t>9/12/2014</a:t>
+              <a:t>9/18/2014</a:t>
             </a:fld>
             <a:endParaRPr lang="en-US"/>
           </a:p>
@@ -15888,20 +15791,26 @@
           </a:p>
           <a:p>
             <a:r>
+              <a:rPr lang="en-US" dirty="0" smtClean="0"/>
+              <a:t>Can </a:t>
+            </a:r>
+            <a:r>
               <a:rPr lang="en-US" dirty="0"/>
-              <a:t>Supports additional providers Google, Yahoo, Facebook</a:t>
+              <a:t>create new namespaces in Azure subscription</a:t>
             </a:r>
           </a:p>
           <a:p>
             <a:r>
               <a:rPr lang="en-US" dirty="0"/>
-              <a:t>Can create new namespaces in Azure subscription</a:t>
-            </a:r>
-          </a:p>
-          <a:p>
+              <a:t>Used by </a:t>
+            </a:r>
+            <a:r>
+              <a:rPr lang="en-US" dirty="0" smtClean="0"/>
+              <a:t>Office 365 </a:t>
+            </a:r>
             <a:r>
               <a:rPr lang="en-US" dirty="0"/>
-              <a:t>Used by O365 for application authorization</a:t>
+              <a:t>for application authorization</a:t>
             </a:r>
           </a:p>
           <a:p>
@@ -16236,7 +16145,7 @@
           <p:nvPr>
             <p:extLst>
               <p:ext uri="{D42A27DB-BD31-4B8C-83A1-F6EECF244321}">
-                <p14:modId xmlns:p14="http://schemas.microsoft.com/office/powerpoint/2010/main" val="813453893"/>
+                <p14:modId xmlns:p14="http://schemas.microsoft.com/office/powerpoint/2010/main" val="1122580369"/>
               </p:ext>
             </p:extLst>
           </p:nvPr>
@@ -16349,7 +16258,7 @@
                           <a:ea typeface="Segoe UI" pitchFamily="34" charset="0"/>
                           <a:cs typeface="Segoe UI" pitchFamily="34" charset="0"/>
                         </a:rPr>
-                        <a:t>Azure Web Site</a:t>
+                        <a:t>Web Site</a:t>
                       </a:r>
                       <a:endParaRPr lang="en-US" sz="3200" b="0" u="none" strike="noStrike" kern="1200" dirty="0">
                         <a:gradFill>
@@ -17299,7 +17208,7 @@
                           </a:gradFill>
                           <a:latin typeface="+mn-lt"/>
                         </a:rPr>
-                        <a:t>O365 APIs</a:t>
+                        <a:t>Office 365 APIs</a:t>
                       </a:r>
                       <a:endParaRPr lang="en-US" sz="2000" b="0" u="none" strike="noStrike" kern="1200" dirty="0">
                         <a:ln>
@@ -17385,18 +17294,7 @@
                           <a:ea typeface="Segoe UI" pitchFamily="34" charset="0"/>
                           <a:cs typeface="Segoe UI" pitchFamily="34" charset="0"/>
                         </a:rPr>
-                        <a:t>Web </a:t>
-                      </a:r>
-                      <a:r>
-                        <a:rPr lang="en-US" sz="1800" b="0" u="none" strike="noStrike" kern="1200" dirty="0" smtClean="0">
-                          <a:solidFill>
-                            <a:srgbClr val="5F5F5F"/>
-                          </a:solidFill>
-                          <a:latin typeface="+mn-lt"/>
-                          <a:ea typeface="Segoe UI" pitchFamily="34" charset="0"/>
-                          <a:cs typeface="Segoe UI" pitchFamily="34" charset="0"/>
-                        </a:rPr>
-                        <a:t>Application</a:t>
+                        <a:t>Web Application</a:t>
                       </a:r>
                       <a:endParaRPr lang="en-US" sz="1800" b="0" u="none" strike="noStrike" kern="1200" dirty="0">
                         <a:solidFill>
@@ -17976,7 +17874,7 @@
           <a:p>
             <a:r>
               <a:rPr lang="en-US" dirty="0" smtClean="0"/>
-              <a:t>Windows Azure Subscription</a:t>
+              <a:t>Windows Azure Subscription (or other infrastructure)</a:t>
             </a:r>
           </a:p>
           <a:p>
@@ -17988,7 +17886,7 @@
           <a:p>
             <a:r>
               <a:rPr lang="en-US" dirty="0" smtClean="0"/>
-              <a:t>Visual Studio 2013</a:t>
+              <a:t>Visual Studio 2013 (or other IDE)</a:t>
             </a:r>
           </a:p>
           <a:p>
@@ -18340,7 +18238,7 @@
             <p:ph sz="quarter" idx="10"/>
             <p:extLst>
               <p:ext uri="{D42A27DB-BD31-4B8C-83A1-F6EECF244321}">
-                <p14:modId xmlns:p14="http://schemas.microsoft.com/office/powerpoint/2010/main" val="1992200475"/>
+                <p14:modId xmlns:p14="http://schemas.microsoft.com/office/powerpoint/2010/main" val="3766875516"/>
               </p:ext>
             </p:extLst>
           </p:nvPr>
@@ -18631,7 +18529,7 @@
                         <a:defRPr/>
                       </a:pPr>
                       <a:r>
-                        <a:rPr lang="en-US" sz="2400" b="0" dirty="0" smtClean="0"/>
+                        <a:rPr lang="en-US" sz="2400" b="1" dirty="0" smtClean="0"/>
                         <a:t>Module 7: Setting up your Developer environment in Office 365</a:t>
                       </a:r>
                     </a:p>
@@ -19859,8 +19757,13 @@
           <a:p>
             <a:r>
               <a:rPr lang="en-US" dirty="0"/>
-              <a:t>Add the Organizational Account from O365</a:t>
-            </a:r>
+              <a:t>Add the Organizational Account from </a:t>
+            </a:r>
+            <a:r>
+              <a:rPr lang="en-US" dirty="0" smtClean="0"/>
+              <a:t>Office 365</a:t>
+            </a:r>
+            <a:endParaRPr lang="en-US" dirty="0"/>
           </a:p>
           <a:p>
             <a:endParaRPr lang="en-US" dirty="0"/>
@@ -19883,8 +19786,12 @@
           <a:lstStyle/>
           <a:p>
             <a:r>
+              <a:rPr lang="en-US" dirty="0" smtClean="0"/>
+              <a:t>Office 365 </a:t>
+            </a:r>
+            <a:r>
               <a:rPr lang="en-US" dirty="0"/>
-              <a:t>Adding O365 Account as Azure Admin</a:t>
+              <a:t>Account as Azure Admin</a:t>
             </a:r>
           </a:p>
         </p:txBody>
@@ -35515,8 +35422,9 @@
           <a:p>
             <a:r>
               <a:rPr lang="en-US" dirty="0" smtClean="0"/>
-              <a:t>OneDrive</a:t>
-            </a:r>
+              <a:t>OneDrive for Business</a:t>
+            </a:r>
+            <a:endParaRPr lang="en-US" dirty="0" smtClean="0"/>
           </a:p>
           <a:p>
             <a:r>
@@ -35641,7 +35549,15 @@
           <a:p>
             <a:r>
               <a:rPr lang="en-US" dirty="0"/>
-              <a:t>Used by O365 for authentication</a:t>
+              <a:t>Used by </a:t>
+            </a:r>
+            <a:r>
+              <a:rPr lang="en-US" dirty="0" smtClean="0"/>
+              <a:t>Office 365 </a:t>
+            </a:r>
+            <a:r>
+              <a:rPr lang="en-US" dirty="0"/>
+              <a:t>for authentication</a:t>
             </a:r>
           </a:p>
           <a:p>
@@ -35766,14 +35682,14 @@
           <p:nvPr>
             <p:extLst>
               <p:ext uri="{D42A27DB-BD31-4B8C-83A1-F6EECF244321}">
-                <p14:modId xmlns:p14="http://schemas.microsoft.com/office/powerpoint/2010/main" val="908814787"/>
+                <p14:modId xmlns:p14="http://schemas.microsoft.com/office/powerpoint/2010/main" val="4126638667"/>
               </p:ext>
             </p:extLst>
           </p:nvPr>
         </p:nvGraphicFramePr>
         <p:xfrm>
-          <a:off x="519112" y="1298944"/>
-          <a:ext cx="10368628" cy="4911508"/>
+          <a:off x="729465" y="1350314"/>
+          <a:ext cx="10682257" cy="4374937"/>
         </p:xfrm>
         <a:graphic>
           <a:graphicData uri="http://schemas.openxmlformats.org/drawingml/2006/table">
@@ -35782,10 +35698,10 @@
                 <a:tableStyleId>{21E4AEA4-8DFA-4A89-87EB-49C32662AFE0}</a:tableStyleId>
               </a:tblPr>
               <a:tblGrid>
-                <a:gridCol w="1996768"/>
-                <a:gridCol w="3076846"/>
-                <a:gridCol w="2504394"/>
-                <a:gridCol w="2790620"/>
+                <a:gridCol w="2393879"/>
+                <a:gridCol w="3051425"/>
+                <a:gridCol w="2361923"/>
+                <a:gridCol w="2875030"/>
               </a:tblGrid>
               <a:tr h="547609">
                 <a:tc>
@@ -36126,7 +36042,7 @@
                           <a:ea typeface="+mn-ea"/>
                           <a:cs typeface="+mn-cs"/>
                         </a:rPr>
-                        <a:t>O365 APIs</a:t>
+                        <a:t>Office 365 APIs</a:t>
                       </a:r>
                     </a:p>
                   </a:txBody>
@@ -36857,10 +36773,16 @@
                           <a:ea typeface="Segoe UI" pitchFamily="34" charset="0"/>
                           <a:cs typeface="Segoe UI" pitchFamily="34" charset="0"/>
                         </a:rPr>
-                        <a:t>Exchange</a:t>
+                        <a:t>Mail</a:t>
                       </a:r>
+                    </a:p>
+                    <a:p>
+                      <a:pPr marL="285750" indent="-285750" algn="l" defTabSz="914363" rtl="0" eaLnBrk="1" latinLnBrk="0" hangingPunct="1">
+                        <a:buFont typeface="Arial" panose="020B0604020202020204" pitchFamily="34" charset="0"/>
+                        <a:buChar char="•"/>
+                      </a:pPr>
                       <a:r>
-                        <a:rPr lang="en-US" sz="1800" b="0" u="none" strike="noStrike" kern="1200" baseline="0" dirty="0" smtClean="0">
+                        <a:rPr lang="en-US" sz="1800" b="0" u="none" strike="noStrike" kern="1200" dirty="0" smtClean="0">
                           <a:gradFill>
                             <a:gsLst>
                               <a:gs pos="0">
@@ -36876,7 +36798,32 @@
                           <a:ea typeface="Segoe UI" pitchFamily="34" charset="0"/>
                           <a:cs typeface="Segoe UI" pitchFamily="34" charset="0"/>
                         </a:rPr>
-                        <a:t> Client</a:t>
+                        <a:t>Calendar</a:t>
+                      </a:r>
+                    </a:p>
+                    <a:p>
+                      <a:pPr marL="285750" indent="-285750" algn="l" defTabSz="914363" rtl="0" eaLnBrk="1" latinLnBrk="0" hangingPunct="1">
+                        <a:buFont typeface="Arial" panose="020B0604020202020204" pitchFamily="34" charset="0"/>
+                        <a:buChar char="•"/>
+                      </a:pPr>
+                      <a:r>
+                        <a:rPr lang="en-US" sz="1800" b="0" u="none" strike="noStrike" kern="1200" dirty="0" smtClean="0">
+                          <a:gradFill>
+                            <a:gsLst>
+                              <a:gs pos="0">
+                                <a:schemeClr val="tx1"/>
+                              </a:gs>
+                              <a:gs pos="100000">
+                                <a:schemeClr val="tx1"/>
+                              </a:gs>
+                            </a:gsLst>
+                            <a:lin ang="5400000" scaled="0"/>
+                          </a:gradFill>
+                          <a:latin typeface="+mn-lt"/>
+                          <a:ea typeface="Segoe UI" pitchFamily="34" charset="0"/>
+                          <a:cs typeface="Segoe UI" pitchFamily="34" charset="0"/>
+                        </a:rPr>
+                        <a:t>Contacts</a:t>
                       </a:r>
                       <a:endParaRPr lang="en-US" sz="1800" b="0" u="none" strike="noStrike" kern="1200" dirty="0">
                         <a:gradFill>
@@ -37264,7 +37211,32 @@
                           <a:ea typeface="Segoe UI" pitchFamily="34" charset="0"/>
                           <a:cs typeface="Segoe UI" pitchFamily="34" charset="0"/>
                         </a:rPr>
-                        <a:t>SharePoint Client</a:t>
+                        <a:t>Files</a:t>
+                      </a:r>
+                    </a:p>
+                    <a:p>
+                      <a:pPr marL="285750" indent="-285750" algn="l" defTabSz="914363" rtl="0" eaLnBrk="1" latinLnBrk="0" hangingPunct="1">
+                        <a:buFont typeface="Arial" panose="020B0604020202020204" pitchFamily="34" charset="0"/>
+                        <a:buChar char="•"/>
+                      </a:pPr>
+                      <a:r>
+                        <a:rPr lang="en-US" sz="1800" b="0" u="none" strike="noStrike" kern="1200" dirty="0" smtClean="0">
+                          <a:gradFill>
+                            <a:gsLst>
+                              <a:gs pos="0">
+                                <a:schemeClr val="tx1"/>
+                              </a:gs>
+                              <a:gs pos="100000">
+                                <a:schemeClr val="tx1"/>
+                              </a:gs>
+                            </a:gsLst>
+                            <a:lin ang="5400000" scaled="0"/>
+                          </a:gradFill>
+                          <a:latin typeface="+mn-lt"/>
+                          <a:ea typeface="Segoe UI" pitchFamily="34" charset="0"/>
+                          <a:cs typeface="Segoe UI" pitchFamily="34" charset="0"/>
+                        </a:rPr>
+                        <a:t>Sites</a:t>
                       </a:r>
                       <a:endParaRPr lang="en-US" sz="1800" b="0" u="none" strike="noStrike" kern="1200" dirty="0">
                         <a:gradFill>
@@ -37361,7 +37333,7 @@
                           <a:ea typeface="Segoe UI" pitchFamily="34" charset="0"/>
                           <a:cs typeface="Segoe UI" pitchFamily="34" charset="0"/>
                         </a:rPr>
-                        <a:t>OneDrive</a:t>
+                        <a:t>OneDrive for Business</a:t>
                       </a:r>
                       <a:endParaRPr lang="en-US" sz="3200" b="0" u="none" strike="noStrike" kern="1200" dirty="0">
                         <a:gradFill>
@@ -37605,7 +37577,7 @@
                           <a:ea typeface="Segoe UI" pitchFamily="34" charset="0"/>
                           <a:cs typeface="Segoe UI" pitchFamily="34" charset="0"/>
                         </a:rPr>
-                        <a:t>SharePoint Client</a:t>
+                        <a:t>Files</a:t>
                       </a:r>
                       <a:endParaRPr lang="en-US" sz="1800" b="0" u="none" strike="noStrike" kern="1200" dirty="0">
                         <a:gradFill>
@@ -37657,339 +37629,6 @@
                       <a:solidFill>
                         <a:schemeClr val="bg1"/>
                       </a:solidFill>
-                      <a:prstDash val="solid"/>
-                      <a:round/>
-                      <a:headEnd type="none" w="med" len="med"/>
-                      <a:tailEnd type="none" w="med" len="med"/>
-                    </a:lnB>
-                    <a:lnTlToBr w="12700" cmpd="sng">
-                      <a:noFill/>
-                      <a:prstDash val="solid"/>
-                    </a:lnTlToBr>
-                    <a:lnBlToTr w="12700" cmpd="sng">
-                      <a:noFill/>
-                      <a:prstDash val="solid"/>
-                    </a:lnBlToTr>
-                    <a:solidFill>
-                      <a:schemeClr val="bg1">
-                        <a:lumMod val="95000"/>
-                      </a:schemeClr>
-                    </a:solidFill>
-                  </a:tcPr>
-                </a:tc>
-              </a:tr>
-              <a:tr h="808777">
-                <a:tc>
-                  <a:txBody>
-                    <a:bodyPr/>
-                    <a:lstStyle/>
-                    <a:p>
-                      <a:pPr marL="0" algn="l" defTabSz="914363" rtl="0" eaLnBrk="1" fontAlgn="b" latinLnBrk="0" hangingPunct="1"/>
-                      <a:r>
-                        <a:rPr lang="en-US" sz="3200" b="0" u="none" strike="noStrike" kern="1200" dirty="0" smtClean="0">
-                          <a:gradFill>
-                            <a:gsLst>
-                              <a:gs pos="1250">
-                                <a:schemeClr val="bg2"/>
-                              </a:gs>
-                              <a:gs pos="100000">
-                                <a:schemeClr val="bg2"/>
-                              </a:gs>
-                            </a:gsLst>
-                            <a:lin ang="5400000" scaled="0"/>
-                          </a:gradFill>
-                          <a:latin typeface="+mj-lt"/>
-                          <a:ea typeface="Segoe UI" pitchFamily="34" charset="0"/>
-                          <a:cs typeface="Segoe UI" pitchFamily="34" charset="0"/>
-                        </a:rPr>
-                        <a:t>AAD</a:t>
-                      </a:r>
-                      <a:endParaRPr lang="en-US" sz="3200" b="0" u="none" strike="noStrike" kern="1200" dirty="0">
-                        <a:gradFill>
-                          <a:gsLst>
-                            <a:gs pos="1250">
-                              <a:schemeClr val="bg2"/>
-                            </a:gs>
-                            <a:gs pos="100000">
-                              <a:schemeClr val="bg2"/>
-                            </a:gs>
-                          </a:gsLst>
-                          <a:lin ang="5400000" scaled="0"/>
-                        </a:gradFill>
-                        <a:latin typeface="+mj-lt"/>
-                        <a:ea typeface="Segoe UI" pitchFamily="34" charset="0"/>
-                        <a:cs typeface="Segoe UI" pitchFamily="34" charset="0"/>
-                      </a:endParaRPr>
-                    </a:p>
-                  </a:txBody>
-                  <a:tcPr marT="0" marB="0" anchor="ctr">
-                    <a:lnL w="3175" cap="flat" cmpd="sng" algn="ctr">
-                      <a:noFill/>
-                      <a:prstDash val="solid"/>
-                      <a:round/>
-                      <a:headEnd type="none" w="med" len="med"/>
-                      <a:tailEnd type="none" w="med" len="med"/>
-                    </a:lnL>
-                    <a:lnR w="38100" cap="flat" cmpd="sng" algn="ctr">
-                      <a:solidFill>
-                        <a:schemeClr val="bg1"/>
-                      </a:solidFill>
-                      <a:prstDash val="solid"/>
-                      <a:round/>
-                      <a:headEnd type="none" w="med" len="med"/>
-                      <a:tailEnd type="none" w="med" len="med"/>
-                    </a:lnR>
-                    <a:lnT w="38100" cap="flat" cmpd="sng" algn="ctr">
-                      <a:solidFill>
-                        <a:schemeClr val="bg1"/>
-                      </a:solidFill>
-                      <a:prstDash val="solid"/>
-                      <a:round/>
-                      <a:headEnd type="none" w="med" len="med"/>
-                      <a:tailEnd type="none" w="med" len="med"/>
-                    </a:lnT>
-                    <a:lnB w="3175" cap="flat" cmpd="sng" algn="ctr">
-                      <a:noFill/>
-                      <a:prstDash val="solid"/>
-                      <a:round/>
-                      <a:headEnd type="none" w="med" len="med"/>
-                      <a:tailEnd type="none" w="med" len="med"/>
-                    </a:lnB>
-                    <a:lnTlToBr w="12700" cmpd="sng">
-                      <a:noFill/>
-                      <a:prstDash val="solid"/>
-                    </a:lnTlToBr>
-                    <a:lnBlToTr w="12700" cmpd="sng">
-                      <a:noFill/>
-                      <a:prstDash val="solid"/>
-                    </a:lnBlToTr>
-                    <a:noFill/>
-                  </a:tcPr>
-                </a:tc>
-                <a:tc>
-                  <a:txBody>
-                    <a:bodyPr/>
-                    <a:lstStyle/>
-                    <a:p>
-                      <a:pPr marL="0" algn="l" defTabSz="914363" rtl="0" eaLnBrk="1" latinLnBrk="0" hangingPunct="1"/>
-                      <a:endParaRPr lang="en-US" sz="1800" b="0" u="none" strike="noStrike" kern="1200" dirty="0">
-                        <a:gradFill>
-                          <a:gsLst>
-                            <a:gs pos="0">
-                              <a:schemeClr val="tx1"/>
-                            </a:gs>
-                            <a:gs pos="100000">
-                              <a:schemeClr val="tx1"/>
-                            </a:gs>
-                          </a:gsLst>
-                          <a:lin ang="5400000" scaled="0"/>
-                        </a:gradFill>
-                        <a:latin typeface="+mn-lt"/>
-                        <a:ea typeface="Segoe UI" pitchFamily="34" charset="0"/>
-                        <a:cs typeface="Segoe UI" pitchFamily="34" charset="0"/>
-                      </a:endParaRPr>
-                    </a:p>
-                  </a:txBody>
-                  <a:tcPr anchor="ctr" anchorCtr="1">
-                    <a:lnL w="38100" cap="flat" cmpd="sng" algn="ctr">
-                      <a:solidFill>
-                        <a:schemeClr val="bg1"/>
-                      </a:solidFill>
-                      <a:prstDash val="solid"/>
-                      <a:round/>
-                      <a:headEnd type="none" w="med" len="med"/>
-                      <a:tailEnd type="none" w="med" len="med"/>
-                    </a:lnL>
-                    <a:lnR w="38100" cap="flat" cmpd="sng" algn="ctr">
-                      <a:solidFill>
-                        <a:schemeClr val="bg1"/>
-                      </a:solidFill>
-                      <a:prstDash val="solid"/>
-                      <a:round/>
-                      <a:headEnd type="none" w="med" len="med"/>
-                      <a:tailEnd type="none" w="med" len="med"/>
-                    </a:lnR>
-                    <a:lnT w="38100" cap="flat" cmpd="sng" algn="ctr">
-                      <a:solidFill>
-                        <a:schemeClr val="bg1"/>
-                      </a:solidFill>
-                      <a:prstDash val="solid"/>
-                      <a:round/>
-                      <a:headEnd type="none" w="med" len="med"/>
-                      <a:tailEnd type="none" w="med" len="med"/>
-                    </a:lnT>
-                    <a:lnB w="3175" cap="flat" cmpd="sng" algn="ctr">
-                      <a:noFill/>
-                      <a:prstDash val="solid"/>
-                      <a:round/>
-                      <a:headEnd type="none" w="med" len="med"/>
-                      <a:tailEnd type="none" w="med" len="med"/>
-                    </a:lnB>
-                    <a:lnTlToBr w="12700" cmpd="sng">
-                      <a:noFill/>
-                      <a:prstDash val="solid"/>
-                    </a:lnTlToBr>
-                    <a:lnBlToTr w="12700" cmpd="sng">
-                      <a:noFill/>
-                      <a:prstDash val="solid"/>
-                    </a:lnBlToTr>
-                    <a:solidFill>
-                      <a:schemeClr val="bg1">
-                        <a:lumMod val="95000"/>
-                      </a:schemeClr>
-                    </a:solidFill>
-                  </a:tcPr>
-                </a:tc>
-                <a:tc>
-                  <a:txBody>
-                    <a:bodyPr/>
-                    <a:lstStyle/>
-                    <a:p>
-                      <a:pPr marL="0" algn="l" defTabSz="914363" rtl="0" eaLnBrk="1" latinLnBrk="0" hangingPunct="1"/>
-                      <a:endParaRPr lang="en-US" sz="1800" b="0" u="none" strike="noStrike" kern="1200" dirty="0">
-                        <a:gradFill>
-                          <a:gsLst>
-                            <a:gs pos="0">
-                              <a:schemeClr val="tx1"/>
-                            </a:gs>
-                            <a:gs pos="100000">
-                              <a:schemeClr val="tx1"/>
-                            </a:gs>
-                          </a:gsLst>
-                          <a:lin ang="5400000" scaled="0"/>
-                        </a:gradFill>
-                        <a:latin typeface="+mn-lt"/>
-                        <a:ea typeface="Segoe UI" pitchFamily="34" charset="0"/>
-                        <a:cs typeface="Segoe UI" pitchFamily="34" charset="0"/>
-                      </a:endParaRPr>
-                    </a:p>
-                  </a:txBody>
-                  <a:tcPr anchor="ctr" anchorCtr="1">
-                    <a:lnL w="38100" cap="flat" cmpd="sng" algn="ctr">
-                      <a:solidFill>
-                        <a:schemeClr val="bg1"/>
-                      </a:solidFill>
-                      <a:prstDash val="solid"/>
-                      <a:round/>
-                      <a:headEnd type="none" w="med" len="med"/>
-                      <a:tailEnd type="none" w="med" len="med"/>
-                    </a:lnL>
-                    <a:lnR w="38100" cap="flat" cmpd="sng" algn="ctr">
-                      <a:solidFill>
-                        <a:schemeClr val="bg1"/>
-                      </a:solidFill>
-                      <a:prstDash val="solid"/>
-                      <a:round/>
-                      <a:headEnd type="none" w="med" len="med"/>
-                      <a:tailEnd type="none" w="med" len="med"/>
-                    </a:lnR>
-                    <a:lnT w="38100" cap="flat" cmpd="sng" algn="ctr">
-                      <a:solidFill>
-                        <a:schemeClr val="bg1"/>
-                      </a:solidFill>
-                      <a:prstDash val="solid"/>
-                      <a:round/>
-                      <a:headEnd type="none" w="med" len="med"/>
-                      <a:tailEnd type="none" w="med" len="med"/>
-                    </a:lnT>
-                    <a:lnB w="3175" cap="flat" cmpd="sng" algn="ctr">
-                      <a:noFill/>
-                      <a:prstDash val="solid"/>
-                      <a:round/>
-                      <a:headEnd type="none" w="med" len="med"/>
-                      <a:tailEnd type="none" w="med" len="med"/>
-                    </a:lnB>
-                    <a:lnTlToBr w="12700" cmpd="sng">
-                      <a:noFill/>
-                      <a:prstDash val="solid"/>
-                    </a:lnTlToBr>
-                    <a:lnBlToTr w="12700" cmpd="sng">
-                      <a:noFill/>
-                      <a:prstDash val="solid"/>
-                    </a:lnBlToTr>
-                    <a:solidFill>
-                      <a:schemeClr val="bg1">
-                        <a:lumMod val="95000"/>
-                      </a:schemeClr>
-                    </a:solidFill>
-                  </a:tcPr>
-                </a:tc>
-                <a:tc>
-                  <a:txBody>
-                    <a:bodyPr/>
-                    <a:lstStyle/>
-                    <a:p>
-                      <a:pPr marL="285750" indent="-285750" algn="l" defTabSz="914363" rtl="0" eaLnBrk="1" latinLnBrk="0" hangingPunct="1">
-                        <a:buFont typeface="Arial" panose="020B0604020202020204" pitchFamily="34" charset="0"/>
-                        <a:buChar char="•"/>
-                      </a:pPr>
-                      <a:r>
-                        <a:rPr lang="en-US" sz="1800" b="0" u="none" strike="noStrike" kern="1200" dirty="0" smtClean="0">
-                          <a:gradFill>
-                            <a:gsLst>
-                              <a:gs pos="0">
-                                <a:schemeClr val="tx1"/>
-                              </a:gs>
-                              <a:gs pos="100000">
-                                <a:schemeClr val="tx1"/>
-                              </a:gs>
-                            </a:gsLst>
-                            <a:lin ang="5400000" scaled="0"/>
-                          </a:gradFill>
-                          <a:latin typeface="+mn-lt"/>
-                          <a:ea typeface="Segoe UI" pitchFamily="34" charset="0"/>
-                          <a:cs typeface="Segoe UI" pitchFamily="34" charset="0"/>
-                        </a:rPr>
-                        <a:t>Graph Client</a:t>
-                      </a:r>
-                      <a:endParaRPr lang="en-US" sz="1800" b="0" u="none" strike="noStrike" kern="1200" dirty="0">
-                        <a:gradFill>
-                          <a:gsLst>
-                            <a:gs pos="0">
-                              <a:schemeClr val="tx1"/>
-                            </a:gs>
-                            <a:gs pos="100000">
-                              <a:schemeClr val="tx1"/>
-                            </a:gs>
-                          </a:gsLst>
-                          <a:lin ang="5400000" scaled="0"/>
-                        </a:gradFill>
-                        <a:latin typeface="+mn-lt"/>
-                        <a:ea typeface="Segoe UI" pitchFamily="34" charset="0"/>
-                        <a:cs typeface="Segoe UI" pitchFamily="34" charset="0"/>
-                      </a:endParaRPr>
-                    </a:p>
-                  </a:txBody>
-                  <a:tcPr anchor="ctr">
-                    <a:lnL w="38100" cap="flat" cmpd="sng" algn="ctr">
-                      <a:solidFill>
-                        <a:schemeClr val="bg1"/>
-                      </a:solidFill>
-                      <a:prstDash val="solid"/>
-                      <a:round/>
-                      <a:headEnd type="none" w="med" len="med"/>
-                      <a:tailEnd type="none" w="med" len="med"/>
-                    </a:lnL>
-                    <a:lnR w="38100" cap="flat" cmpd="sng" algn="ctr">
-                      <a:solidFill>
-                        <a:schemeClr val="bg1"/>
-                      </a:solidFill>
-                      <a:prstDash val="solid"/>
-                      <a:round/>
-                      <a:headEnd type="none" w="med" len="med"/>
-                      <a:tailEnd type="none" w="med" len="med"/>
-                    </a:lnR>
-                    <a:lnT w="38100" cap="flat" cmpd="sng" algn="ctr">
-                      <a:solidFill>
-                        <a:schemeClr val="bg1"/>
-                      </a:solidFill>
-                      <a:prstDash val="solid"/>
-                      <a:round/>
-                      <a:headEnd type="none" w="med" len="med"/>
-                      <a:tailEnd type="none" w="med" len="med"/>
-                    </a:lnT>
-                    <a:lnB w="3175" cap="flat" cmpd="sng" algn="ctr">
-                      <a:noFill/>
                       <a:prstDash val="solid"/>
                       <a:round/>
                       <a:headEnd type="none" w="med" len="med"/>
